--- a/MathematicaFiles/Verzeichnetes Schachbrett Algorithmus/CleanUp/VerzeichnungsAlgorithmusAnschauung.pptx
+++ b/MathematicaFiles/Verzeichnetes Schachbrett Algorithmus/CleanUp/VerzeichnungsAlgorithmusAnschauung.pptx
@@ -268,7 +268,7 @@
           <a:p>
             <a:fld id="{B3BC7745-398C-48BF-BC17-F6983B2EECBE}" type="datetimeFigureOut">
               <a:rPr lang="de-DE" smtClean="0"/>
-              <a:t>01.03.2018</a:t>
+              <a:t>21.05.2018</a:t>
             </a:fld>
             <a:endParaRPr lang="de-DE"/>
           </a:p>
@@ -468,7 +468,7 @@
           <a:p>
             <a:fld id="{B3BC7745-398C-48BF-BC17-F6983B2EECBE}" type="datetimeFigureOut">
               <a:rPr lang="de-DE" smtClean="0"/>
-              <a:t>01.03.2018</a:t>
+              <a:t>21.05.2018</a:t>
             </a:fld>
             <a:endParaRPr lang="de-DE"/>
           </a:p>
@@ -678,7 +678,7 @@
           <a:p>
             <a:fld id="{B3BC7745-398C-48BF-BC17-F6983B2EECBE}" type="datetimeFigureOut">
               <a:rPr lang="de-DE" smtClean="0"/>
-              <a:t>01.03.2018</a:t>
+              <a:t>21.05.2018</a:t>
             </a:fld>
             <a:endParaRPr lang="de-DE"/>
           </a:p>
@@ -878,7 +878,7 @@
           <a:p>
             <a:fld id="{B3BC7745-398C-48BF-BC17-F6983B2EECBE}" type="datetimeFigureOut">
               <a:rPr lang="de-DE" smtClean="0"/>
-              <a:t>01.03.2018</a:t>
+              <a:t>21.05.2018</a:t>
             </a:fld>
             <a:endParaRPr lang="de-DE"/>
           </a:p>
@@ -1154,7 +1154,7 @@
           <a:p>
             <a:fld id="{B3BC7745-398C-48BF-BC17-F6983B2EECBE}" type="datetimeFigureOut">
               <a:rPr lang="de-DE" smtClean="0"/>
-              <a:t>01.03.2018</a:t>
+              <a:t>21.05.2018</a:t>
             </a:fld>
             <a:endParaRPr lang="de-DE"/>
           </a:p>
@@ -1422,7 +1422,7 @@
           <a:p>
             <a:fld id="{B3BC7745-398C-48BF-BC17-F6983B2EECBE}" type="datetimeFigureOut">
               <a:rPr lang="de-DE" smtClean="0"/>
-              <a:t>01.03.2018</a:t>
+              <a:t>21.05.2018</a:t>
             </a:fld>
             <a:endParaRPr lang="de-DE"/>
           </a:p>
@@ -1837,7 +1837,7 @@
           <a:p>
             <a:fld id="{B3BC7745-398C-48BF-BC17-F6983B2EECBE}" type="datetimeFigureOut">
               <a:rPr lang="de-DE" smtClean="0"/>
-              <a:t>01.03.2018</a:t>
+              <a:t>21.05.2018</a:t>
             </a:fld>
             <a:endParaRPr lang="de-DE"/>
           </a:p>
@@ -1979,7 +1979,7 @@
           <a:p>
             <a:fld id="{B3BC7745-398C-48BF-BC17-F6983B2EECBE}" type="datetimeFigureOut">
               <a:rPr lang="de-DE" smtClean="0"/>
-              <a:t>01.03.2018</a:t>
+              <a:t>21.05.2018</a:t>
             </a:fld>
             <a:endParaRPr lang="de-DE"/>
           </a:p>
@@ -2092,7 +2092,7 @@
           <a:p>
             <a:fld id="{B3BC7745-398C-48BF-BC17-F6983B2EECBE}" type="datetimeFigureOut">
               <a:rPr lang="de-DE" smtClean="0"/>
-              <a:t>01.03.2018</a:t>
+              <a:t>21.05.2018</a:t>
             </a:fld>
             <a:endParaRPr lang="de-DE"/>
           </a:p>
@@ -2405,7 +2405,7 @@
           <a:p>
             <a:fld id="{B3BC7745-398C-48BF-BC17-F6983B2EECBE}" type="datetimeFigureOut">
               <a:rPr lang="de-DE" smtClean="0"/>
-              <a:t>01.03.2018</a:t>
+              <a:t>21.05.2018</a:t>
             </a:fld>
             <a:endParaRPr lang="de-DE"/>
           </a:p>
@@ -2694,7 +2694,7 @@
           <a:p>
             <a:fld id="{B3BC7745-398C-48BF-BC17-F6983B2EECBE}" type="datetimeFigureOut">
               <a:rPr lang="de-DE" smtClean="0"/>
-              <a:t>01.03.2018</a:t>
+              <a:t>21.05.2018</a:t>
             </a:fld>
             <a:endParaRPr lang="de-DE"/>
           </a:p>
@@ -2937,7 +2937,7 @@
           <a:p>
             <a:fld id="{B3BC7745-398C-48BF-BC17-F6983B2EECBE}" type="datetimeFigureOut">
               <a:rPr lang="de-DE" smtClean="0"/>
-              <a:t>01.03.2018</a:t>
+              <a:t>21.05.2018</a:t>
             </a:fld>
             <a:endParaRPr lang="de-DE"/>
           </a:p>
@@ -7285,6 +7285,189 @@
           </a:fontRef>
         </p:style>
       </p:cxnSp>
+      <p:sp>
+        <p:nvSpPr>
+          <p:cNvPr id="35" name="Oval 34">
+            <a:extLst>
+              <a:ext uri="{FF2B5EF4-FFF2-40B4-BE49-F238E27FC236}">
+                <a16:creationId xmlns:a16="http://schemas.microsoft.com/office/drawing/2014/main" id="{0E867791-7F3A-4FFA-BAB9-D3638BC63B63}"/>
+              </a:ext>
+            </a:extLst>
+          </p:cNvPr>
+          <p:cNvSpPr/>
+          <p:nvPr/>
+        </p:nvSpPr>
+        <p:spPr>
+          <a:xfrm>
+            <a:off x="7440845" y="3111268"/>
+            <a:ext cx="142613" cy="151001"/>
+          </a:xfrm>
+          <a:prstGeom prst="ellipse">
+            <a:avLst/>
+          </a:prstGeom>
+          <a:solidFill>
+            <a:srgbClr val="FF0000"/>
+          </a:solidFill>
+        </p:spPr>
+        <p:style>
+          <a:lnRef idx="2">
+            <a:schemeClr val="accent1">
+              <a:shade val="50000"/>
+            </a:schemeClr>
+          </a:lnRef>
+          <a:fillRef idx="1">
+            <a:schemeClr val="accent1"/>
+          </a:fillRef>
+          <a:effectRef idx="0">
+            <a:schemeClr val="accent1"/>
+          </a:effectRef>
+          <a:fontRef idx="minor">
+            <a:schemeClr val="lt1"/>
+          </a:fontRef>
+        </p:style>
+        <p:txBody>
+          <a:bodyPr rtlCol="0" anchor="ctr"/>
+          <a:lstStyle/>
+          <a:p>
+            <a:pPr algn="ctr"/>
+            <a:endParaRPr lang="de-DE"/>
+          </a:p>
+        </p:txBody>
+      </p:sp>
+      <p:cxnSp>
+        <p:nvCxnSpPr>
+          <p:cNvPr id="36" name="Straight Arrow Connector 35">
+            <a:extLst>
+              <a:ext uri="{FF2B5EF4-FFF2-40B4-BE49-F238E27FC236}">
+                <a16:creationId xmlns:a16="http://schemas.microsoft.com/office/drawing/2014/main" id="{6045586D-C1E3-4A83-9024-F2059ED11E5D}"/>
+              </a:ext>
+            </a:extLst>
+          </p:cNvPr>
+          <p:cNvCxnSpPr>
+            <a:cxnSpLocks/>
+          </p:cNvCxnSpPr>
+          <p:nvPr/>
+        </p:nvCxnSpPr>
+        <p:spPr>
+          <a:xfrm>
+            <a:off x="7067573" y="2865920"/>
+            <a:ext cx="327082" cy="284301"/>
+          </a:xfrm>
+          <a:prstGeom prst="straightConnector1">
+            <a:avLst/>
+          </a:prstGeom>
+          <a:ln>
+            <a:solidFill>
+              <a:schemeClr val="accent2"/>
+            </a:solidFill>
+            <a:tailEnd type="triangle"/>
+          </a:ln>
+        </p:spPr>
+        <p:style>
+          <a:lnRef idx="3">
+            <a:schemeClr val="dk1"/>
+          </a:lnRef>
+          <a:fillRef idx="0">
+            <a:schemeClr val="dk1"/>
+          </a:fillRef>
+          <a:effectRef idx="2">
+            <a:schemeClr val="dk1"/>
+          </a:effectRef>
+          <a:fontRef idx="minor">
+            <a:schemeClr val="tx1"/>
+          </a:fontRef>
+        </p:style>
+      </p:cxnSp>
+      <p:cxnSp>
+        <p:nvCxnSpPr>
+          <p:cNvPr id="37" name="Straight Arrow Connector 36">
+            <a:extLst>
+              <a:ext uri="{FF2B5EF4-FFF2-40B4-BE49-F238E27FC236}">
+                <a16:creationId xmlns:a16="http://schemas.microsoft.com/office/drawing/2014/main" id="{052788AA-65B6-4C96-A926-E034179543A0}"/>
+              </a:ext>
+            </a:extLst>
+          </p:cNvPr>
+          <p:cNvCxnSpPr>
+            <a:cxnSpLocks/>
+          </p:cNvCxnSpPr>
+          <p:nvPr/>
+        </p:nvCxnSpPr>
+        <p:spPr>
+          <a:xfrm flipH="1" flipV="1">
+            <a:off x="7510994" y="2761028"/>
+            <a:ext cx="1157" cy="350240"/>
+          </a:xfrm>
+          <a:prstGeom prst="straightConnector1">
+            <a:avLst/>
+          </a:prstGeom>
+          <a:ln>
+            <a:solidFill>
+              <a:schemeClr val="accent2"/>
+            </a:solidFill>
+            <a:headEnd type="arrow" w="med" len="med"/>
+            <a:tailEnd type="arrow" w="med" len="med"/>
+          </a:ln>
+        </p:spPr>
+        <p:style>
+          <a:lnRef idx="3">
+            <a:schemeClr val="dk1"/>
+          </a:lnRef>
+          <a:fillRef idx="0">
+            <a:schemeClr val="dk1"/>
+          </a:fillRef>
+          <a:effectRef idx="2">
+            <a:schemeClr val="dk1"/>
+          </a:effectRef>
+          <a:fontRef idx="minor">
+            <a:schemeClr val="tx1"/>
+          </a:fontRef>
+        </p:style>
+      </p:cxnSp>
+      <p:cxnSp>
+        <p:nvCxnSpPr>
+          <p:cNvPr id="38" name="Straight Arrow Connector 37">
+            <a:extLst>
+              <a:ext uri="{FF2B5EF4-FFF2-40B4-BE49-F238E27FC236}">
+                <a16:creationId xmlns:a16="http://schemas.microsoft.com/office/drawing/2014/main" id="{3A383007-8FAB-4552-B997-97B12B45576D}"/>
+              </a:ext>
+            </a:extLst>
+          </p:cNvPr>
+          <p:cNvCxnSpPr>
+            <a:cxnSpLocks/>
+          </p:cNvCxnSpPr>
+          <p:nvPr/>
+        </p:nvCxnSpPr>
+        <p:spPr>
+          <a:xfrm flipH="1" flipV="1">
+            <a:off x="7509837" y="3261840"/>
+            <a:ext cx="1157" cy="350240"/>
+          </a:xfrm>
+          <a:prstGeom prst="straightConnector1">
+            <a:avLst/>
+          </a:prstGeom>
+          <a:ln>
+            <a:solidFill>
+              <a:schemeClr val="accent2"/>
+            </a:solidFill>
+            <a:headEnd type="arrow" w="med" len="med"/>
+            <a:tailEnd type="arrow" w="med" len="med"/>
+          </a:ln>
+        </p:spPr>
+        <p:style>
+          <a:lnRef idx="3">
+            <a:schemeClr val="dk1"/>
+          </a:lnRef>
+          <a:fillRef idx="0">
+            <a:schemeClr val="dk1"/>
+          </a:fillRef>
+          <a:effectRef idx="2">
+            <a:schemeClr val="dk1"/>
+          </a:effectRef>
+          <a:fontRef idx="minor">
+            <a:schemeClr val="tx1"/>
+          </a:fontRef>
+        </p:style>
+      </p:cxnSp>
     </p:spTree>
     <p:extLst>
       <p:ext uri="{BB962C8B-B14F-4D97-AF65-F5344CB8AC3E}">

--- a/MathematicaFiles/Verzeichnetes Schachbrett Algorithmus/CleanUp/VerzeichnungsAlgorithmusAnschauung.pptx
+++ b/MathematicaFiles/Verzeichnetes Schachbrett Algorithmus/CleanUp/VerzeichnungsAlgorithmusAnschauung.pptx
@@ -268,7 +268,7 @@
           <a:p>
             <a:fld id="{B3BC7745-398C-48BF-BC17-F6983B2EECBE}" type="datetimeFigureOut">
               <a:rPr lang="de-DE" smtClean="0"/>
-              <a:t>21.05.2018</a:t>
+              <a:t>22.05.2018</a:t>
             </a:fld>
             <a:endParaRPr lang="de-DE"/>
           </a:p>
@@ -468,7 +468,7 @@
           <a:p>
             <a:fld id="{B3BC7745-398C-48BF-BC17-F6983B2EECBE}" type="datetimeFigureOut">
               <a:rPr lang="de-DE" smtClean="0"/>
-              <a:t>21.05.2018</a:t>
+              <a:t>22.05.2018</a:t>
             </a:fld>
             <a:endParaRPr lang="de-DE"/>
           </a:p>
@@ -678,7 +678,7 @@
           <a:p>
             <a:fld id="{B3BC7745-398C-48BF-BC17-F6983B2EECBE}" type="datetimeFigureOut">
               <a:rPr lang="de-DE" smtClean="0"/>
-              <a:t>21.05.2018</a:t>
+              <a:t>22.05.2018</a:t>
             </a:fld>
             <a:endParaRPr lang="de-DE"/>
           </a:p>
@@ -878,7 +878,7 @@
           <a:p>
             <a:fld id="{B3BC7745-398C-48BF-BC17-F6983B2EECBE}" type="datetimeFigureOut">
               <a:rPr lang="de-DE" smtClean="0"/>
-              <a:t>21.05.2018</a:t>
+              <a:t>22.05.2018</a:t>
             </a:fld>
             <a:endParaRPr lang="de-DE"/>
           </a:p>
@@ -1154,7 +1154,7 @@
           <a:p>
             <a:fld id="{B3BC7745-398C-48BF-BC17-F6983B2EECBE}" type="datetimeFigureOut">
               <a:rPr lang="de-DE" smtClean="0"/>
-              <a:t>21.05.2018</a:t>
+              <a:t>22.05.2018</a:t>
             </a:fld>
             <a:endParaRPr lang="de-DE"/>
           </a:p>
@@ -1422,7 +1422,7 @@
           <a:p>
             <a:fld id="{B3BC7745-398C-48BF-BC17-F6983B2EECBE}" type="datetimeFigureOut">
               <a:rPr lang="de-DE" smtClean="0"/>
-              <a:t>21.05.2018</a:t>
+              <a:t>22.05.2018</a:t>
             </a:fld>
             <a:endParaRPr lang="de-DE"/>
           </a:p>
@@ -1837,7 +1837,7 @@
           <a:p>
             <a:fld id="{B3BC7745-398C-48BF-BC17-F6983B2EECBE}" type="datetimeFigureOut">
               <a:rPr lang="de-DE" smtClean="0"/>
-              <a:t>21.05.2018</a:t>
+              <a:t>22.05.2018</a:t>
             </a:fld>
             <a:endParaRPr lang="de-DE"/>
           </a:p>
@@ -1979,7 +1979,7 @@
           <a:p>
             <a:fld id="{B3BC7745-398C-48BF-BC17-F6983B2EECBE}" type="datetimeFigureOut">
               <a:rPr lang="de-DE" smtClean="0"/>
-              <a:t>21.05.2018</a:t>
+              <a:t>22.05.2018</a:t>
             </a:fld>
             <a:endParaRPr lang="de-DE"/>
           </a:p>
@@ -2092,7 +2092,7 @@
           <a:p>
             <a:fld id="{B3BC7745-398C-48BF-BC17-F6983B2EECBE}" type="datetimeFigureOut">
               <a:rPr lang="de-DE" smtClean="0"/>
-              <a:t>21.05.2018</a:t>
+              <a:t>22.05.2018</a:t>
             </a:fld>
             <a:endParaRPr lang="de-DE"/>
           </a:p>
@@ -2405,7 +2405,7 @@
           <a:p>
             <a:fld id="{B3BC7745-398C-48BF-BC17-F6983B2EECBE}" type="datetimeFigureOut">
               <a:rPr lang="de-DE" smtClean="0"/>
-              <a:t>21.05.2018</a:t>
+              <a:t>22.05.2018</a:t>
             </a:fld>
             <a:endParaRPr lang="de-DE"/>
           </a:p>
@@ -2694,7 +2694,7 @@
           <a:p>
             <a:fld id="{B3BC7745-398C-48BF-BC17-F6983B2EECBE}" type="datetimeFigureOut">
               <a:rPr lang="de-DE" smtClean="0"/>
-              <a:t>21.05.2018</a:t>
+              <a:t>22.05.2018</a:t>
             </a:fld>
             <a:endParaRPr lang="de-DE"/>
           </a:p>
@@ -2937,7 +2937,7 @@
           <a:p>
             <a:fld id="{B3BC7745-398C-48BF-BC17-F6983B2EECBE}" type="datetimeFigureOut">
               <a:rPr lang="de-DE" smtClean="0"/>
-              <a:t>21.05.2018</a:t>
+              <a:t>22.05.2018</a:t>
             </a:fld>
             <a:endParaRPr lang="de-DE"/>
           </a:p>
@@ -8516,7 +8516,7 @@
         </p:nvSpPr>
         <p:spPr>
           <a:xfrm>
-            <a:off x="6482658" y="749574"/>
+            <a:off x="7525274" y="749574"/>
             <a:ext cx="3005291" cy="989901"/>
           </a:xfrm>
           <a:prstGeom prst="rect">
